--- a/docs/procedimiento_activos_informacion/procedimiento_activos_informacion.pptx
+++ b/docs/procedimiento_activos_informacion/procedimiento_activos_informacion.pptx
@@ -254,7 +254,7 @@
           <a:p>
             <a:fld id="{11571326-FE4A-45B4-90D7-54E72DE5FBB7}" type="datetimeFigureOut">
               <a:rPr lang="es-MX" smtClean="0"/>
-              <a:t>15/01/2019</a:t>
+              <a:t>16/01/2019</a:t>
             </a:fld>
             <a:endParaRPr lang="es-MX"/>
           </a:p>
@@ -424,7 +424,7 @@
           <a:p>
             <a:fld id="{11571326-FE4A-45B4-90D7-54E72DE5FBB7}" type="datetimeFigureOut">
               <a:rPr lang="es-MX" smtClean="0"/>
-              <a:t>15/01/2019</a:t>
+              <a:t>16/01/2019</a:t>
             </a:fld>
             <a:endParaRPr lang="es-MX"/>
           </a:p>
@@ -604,7 +604,7 @@
           <a:p>
             <a:fld id="{11571326-FE4A-45B4-90D7-54E72DE5FBB7}" type="datetimeFigureOut">
               <a:rPr lang="es-MX" smtClean="0"/>
-              <a:t>15/01/2019</a:t>
+              <a:t>16/01/2019</a:t>
             </a:fld>
             <a:endParaRPr lang="es-MX"/>
           </a:p>
@@ -774,7 +774,7 @@
           <a:p>
             <a:fld id="{11571326-FE4A-45B4-90D7-54E72DE5FBB7}" type="datetimeFigureOut">
               <a:rPr lang="es-MX" smtClean="0"/>
-              <a:t>15/01/2019</a:t>
+              <a:t>16/01/2019</a:t>
             </a:fld>
             <a:endParaRPr lang="es-MX"/>
           </a:p>
@@ -1020,7 +1020,7 @@
           <a:p>
             <a:fld id="{11571326-FE4A-45B4-90D7-54E72DE5FBB7}" type="datetimeFigureOut">
               <a:rPr lang="es-MX" smtClean="0"/>
-              <a:t>15/01/2019</a:t>
+              <a:t>16/01/2019</a:t>
             </a:fld>
             <a:endParaRPr lang="es-MX"/>
           </a:p>
@@ -1252,7 +1252,7 @@
           <a:p>
             <a:fld id="{11571326-FE4A-45B4-90D7-54E72DE5FBB7}" type="datetimeFigureOut">
               <a:rPr lang="es-MX" smtClean="0"/>
-              <a:t>15/01/2019</a:t>
+              <a:t>16/01/2019</a:t>
             </a:fld>
             <a:endParaRPr lang="es-MX"/>
           </a:p>
@@ -1619,7 +1619,7 @@
           <a:p>
             <a:fld id="{11571326-FE4A-45B4-90D7-54E72DE5FBB7}" type="datetimeFigureOut">
               <a:rPr lang="es-MX" smtClean="0"/>
-              <a:t>15/01/2019</a:t>
+              <a:t>16/01/2019</a:t>
             </a:fld>
             <a:endParaRPr lang="es-MX"/>
           </a:p>
@@ -1737,7 +1737,7 @@
           <a:p>
             <a:fld id="{11571326-FE4A-45B4-90D7-54E72DE5FBB7}" type="datetimeFigureOut">
               <a:rPr lang="es-MX" smtClean="0"/>
-              <a:t>15/01/2019</a:t>
+              <a:t>16/01/2019</a:t>
             </a:fld>
             <a:endParaRPr lang="es-MX"/>
           </a:p>
@@ -1832,7 +1832,7 @@
           <a:p>
             <a:fld id="{11571326-FE4A-45B4-90D7-54E72DE5FBB7}" type="datetimeFigureOut">
               <a:rPr lang="es-MX" smtClean="0"/>
-              <a:t>15/01/2019</a:t>
+              <a:t>16/01/2019</a:t>
             </a:fld>
             <a:endParaRPr lang="es-MX"/>
           </a:p>
@@ -2109,7 +2109,7 @@
           <a:p>
             <a:fld id="{11571326-FE4A-45B4-90D7-54E72DE5FBB7}" type="datetimeFigureOut">
               <a:rPr lang="es-MX" smtClean="0"/>
-              <a:t>15/01/2019</a:t>
+              <a:t>16/01/2019</a:t>
             </a:fld>
             <a:endParaRPr lang="es-MX"/>
           </a:p>
@@ -2366,7 +2366,7 @@
           <a:p>
             <a:fld id="{11571326-FE4A-45B4-90D7-54E72DE5FBB7}" type="datetimeFigureOut">
               <a:rPr lang="es-MX" smtClean="0"/>
-              <a:t>15/01/2019</a:t>
+              <a:t>16/01/2019</a:t>
             </a:fld>
             <a:endParaRPr lang="es-MX"/>
           </a:p>
@@ -2579,7 +2579,7 @@
           <a:p>
             <a:fld id="{11571326-FE4A-45B4-90D7-54E72DE5FBB7}" type="datetimeFigureOut">
               <a:rPr lang="es-MX" smtClean="0"/>
-              <a:t>15/01/2019</a:t>
+              <a:t>16/01/2019</a:t>
             </a:fld>
             <a:endParaRPr lang="es-MX"/>
           </a:p>
@@ -2998,6 +2998,12 @@
           <a:prstGeom prst="rect">
             <a:avLst/>
           </a:prstGeom>
+          <a:solidFill>
+            <a:schemeClr val="accent6">
+              <a:lumMod val="60000"/>
+              <a:lumOff val="40000"/>
+            </a:schemeClr>
+          </a:solidFill>
         </p:spPr>
         <p:style>
           <a:lnRef idx="2">
@@ -3374,8 +3380,8 @@
         </p:nvCxnSpPr>
         <p:spPr>
           <a:xfrm rot="5400000">
-            <a:off x="8924711" y="4666461"/>
-            <a:ext cx="1706792" cy="3572899"/>
+            <a:off x="9120654" y="4862404"/>
+            <a:ext cx="1706792" cy="3181012"/>
           </a:xfrm>
           <a:prstGeom prst="bentConnector3">
             <a:avLst>
@@ -3421,6 +3427,12 @@
           <a:prstGeom prst="rect">
             <a:avLst/>
           </a:prstGeom>
+          <a:solidFill>
+            <a:schemeClr val="accent6">
+              <a:lumMod val="60000"/>
+              <a:lumOff val="40000"/>
+            </a:schemeClr>
+          </a:solidFill>
         </p:spPr>
         <p:style>
           <a:lnRef idx="2">
@@ -3626,6 +3638,7 @@
           <a:prstGeom prst="diamond">
             <a:avLst/>
           </a:prstGeom>
+          <a:noFill/>
         </p:spPr>
         <p:style>
           <a:lnRef idx="2">
@@ -3649,7 +3662,11 @@
           <a:p>
             <a:pPr algn="ctr"/>
             <a:r>
-              <a:rPr lang="es-MX" sz="1199" dirty="0"/>
+              <a:rPr lang="es-MX" sz="1199" dirty="0">
+                <a:solidFill>
+                  <a:schemeClr val="tx1"/>
+                </a:solidFill>
+              </a:rPr>
               <a:t>Producto conforme</a:t>
             </a:r>
           </a:p>
@@ -3669,12 +3686,18 @@
         </p:nvSpPr>
         <p:spPr>
           <a:xfrm>
-            <a:off x="6598613" y="7306306"/>
+            <a:off x="6990500" y="7306306"/>
             <a:ext cx="2786087" cy="476425"/>
           </a:xfrm>
           <a:prstGeom prst="rect">
             <a:avLst/>
           </a:prstGeom>
+          <a:solidFill>
+            <a:schemeClr val="accent6">
+              <a:lumMod val="60000"/>
+              <a:lumOff val="40000"/>
+            </a:schemeClr>
+          </a:solidFill>
         </p:spPr>
         <p:style>
           <a:lnRef idx="2">
@@ -3725,7 +3748,7 @@
         </p:nvSpPr>
         <p:spPr>
           <a:xfrm>
-            <a:off x="6598613" y="7790180"/>
+            <a:off x="6990500" y="7790180"/>
             <a:ext cx="2786087" cy="536383"/>
           </a:xfrm>
           <a:prstGeom prst="rect">
@@ -3774,8 +3797,8 @@
         </p:nvCxnSpPr>
         <p:spPr>
           <a:xfrm rot="5400000" flipH="1">
-            <a:off x="5102295" y="5437202"/>
-            <a:ext cx="2081295" cy="3697429"/>
+            <a:off x="5298238" y="5241258"/>
+            <a:ext cx="2081295" cy="4089316"/>
           </a:xfrm>
           <a:prstGeom prst="bentConnector3">
             <a:avLst>
@@ -3956,10 +3979,10 @@
       </p:cxnSp>
       <p:sp>
         <p:nvSpPr>
-          <p:cNvPr id="22" name="Elipse 21">
+          <p:cNvPr id="25" name="Rectángulo 24">
             <a:extLst>
               <a:ext uri="{FF2B5EF4-FFF2-40B4-BE49-F238E27FC236}">
-                <a16:creationId xmlns:a16="http://schemas.microsoft.com/office/drawing/2014/main" id="{96C1B941-93E0-4F68-B5FB-648AA101ABC7}"/>
+                <a16:creationId xmlns:a16="http://schemas.microsoft.com/office/drawing/2014/main" id="{92DEDC7A-464E-435A-B378-6AE4D879DF07}"/>
               </a:ext>
             </a:extLst>
           </p:cNvPr>
@@ -3968,12 +3991,18 @@
         </p:nvSpPr>
         <p:spPr>
           <a:xfrm>
-            <a:off x="541905" y="491517"/>
-            <a:ext cx="1608458" cy="828007"/>
-          </a:xfrm>
-          <a:prstGeom prst="ellipse">
+            <a:off x="6598615" y="1741867"/>
+            <a:ext cx="3456039" cy="288544"/>
+          </a:xfrm>
+          <a:prstGeom prst="rect">
             <a:avLst/>
           </a:prstGeom>
+          <a:solidFill>
+            <a:schemeClr val="accent5">
+              <a:lumMod val="60000"/>
+              <a:lumOff val="40000"/>
+            </a:schemeClr>
+          </a:solidFill>
         </p:spPr>
         <p:style>
           <a:lnRef idx="2">
@@ -3998,17 +4027,105 @@
             <a:pPr algn="ctr"/>
             <a:r>
               <a:rPr lang="es-MX" sz="1199" dirty="0"/>
-              <a:t>Entrega de activos de información</a:t>
-            </a:r>
-          </a:p>
-        </p:txBody>
-      </p:sp>
-      <p:sp>
-        <p:nvSpPr>
-          <p:cNvPr id="25" name="Rectángulo 24">
+              <a:t>Colaboradores externos</a:t>
+            </a:r>
+          </a:p>
+        </p:txBody>
+      </p:sp>
+      <p:sp>
+        <p:nvSpPr>
+          <p:cNvPr id="26" name="CuadroTexto 25">
             <a:extLst>
               <a:ext uri="{FF2B5EF4-FFF2-40B4-BE49-F238E27FC236}">
-                <a16:creationId xmlns:a16="http://schemas.microsoft.com/office/drawing/2014/main" id="{92DEDC7A-464E-435A-B378-6AE4D879DF07}"/>
+                <a16:creationId xmlns:a16="http://schemas.microsoft.com/office/drawing/2014/main" id="{CBA1407C-D874-42CD-A98D-FD8FAD413834}"/>
+              </a:ext>
+            </a:extLst>
+          </p:cNvPr>
+          <p:cNvSpPr txBox="1"/>
+          <p:nvPr/>
+        </p:nvSpPr>
+        <p:spPr>
+          <a:xfrm>
+            <a:off x="6598614" y="2030412"/>
+            <a:ext cx="3456039" cy="305790"/>
+          </a:xfrm>
+          <a:prstGeom prst="rect">
+            <a:avLst/>
+          </a:prstGeom>
+          <a:noFill/>
+          <a:ln>
+            <a:solidFill>
+              <a:schemeClr val="tx1"/>
+            </a:solidFill>
+          </a:ln>
+        </p:spPr>
+        <p:txBody>
+          <a:bodyPr wrap="square" rtlCol="0">
+            <a:spAutoFit/>
+          </a:bodyPr>
+          <a:lstStyle/>
+          <a:p>
+            <a:pPr>
+              <a:lnSpc>
+                <a:spcPts val="1798"/>
+              </a:lnSpc>
+            </a:pPr>
+            <a:r>
+              <a:rPr lang="es-MX" sz="1199" dirty="0"/>
+              <a:t>Solicitud de información al responsable del proyecto</a:t>
+            </a:r>
+          </a:p>
+        </p:txBody>
+      </p:sp>
+      <p:cxnSp>
+        <p:nvCxnSpPr>
+          <p:cNvPr id="27" name="Conector recto de flecha 26">
+            <a:extLst>
+              <a:ext uri="{FF2B5EF4-FFF2-40B4-BE49-F238E27FC236}">
+                <a16:creationId xmlns:a16="http://schemas.microsoft.com/office/drawing/2014/main" id="{4BAC0E36-B02B-46CA-A0ED-D60E2FFB530B}"/>
+              </a:ext>
+            </a:extLst>
+          </p:cNvPr>
+          <p:cNvCxnSpPr>
+            <a:cxnSpLocks/>
+            <a:stCxn id="26" idx="2"/>
+            <a:endCxn id="35" idx="0"/>
+          </p:cNvCxnSpPr>
+          <p:nvPr/>
+        </p:nvCxnSpPr>
+        <p:spPr>
+          <a:xfrm>
+            <a:off x="8326634" y="2336202"/>
+            <a:ext cx="5415" cy="562871"/>
+          </a:xfrm>
+          <a:prstGeom prst="straightConnector1">
+            <a:avLst/>
+          </a:prstGeom>
+          <a:ln>
+            <a:tailEnd type="triangle"/>
+          </a:ln>
+        </p:spPr>
+        <p:style>
+          <a:lnRef idx="1">
+            <a:schemeClr val="accent1"/>
+          </a:lnRef>
+          <a:fillRef idx="0">
+            <a:schemeClr val="accent1"/>
+          </a:fillRef>
+          <a:effectRef idx="0">
+            <a:schemeClr val="accent1"/>
+          </a:effectRef>
+          <a:fontRef idx="minor">
+            <a:schemeClr val="tx1"/>
+          </a:fontRef>
+        </p:style>
+      </p:cxnSp>
+      <p:sp>
+        <p:nvSpPr>
+          <p:cNvPr id="35" name="Rectángulo 34">
+            <a:extLst>
+              <a:ext uri="{FF2B5EF4-FFF2-40B4-BE49-F238E27FC236}">
+                <a16:creationId xmlns:a16="http://schemas.microsoft.com/office/drawing/2014/main" id="{AE8E16AE-C1D3-445F-96E1-1489FAF1E70E}"/>
               </a:ext>
             </a:extLst>
           </p:cNvPr>
@@ -4017,12 +4134,13 @@
         </p:nvSpPr>
         <p:spPr>
           <a:xfrm>
-            <a:off x="6598615" y="1741867"/>
-            <a:ext cx="3456039" cy="288544"/>
+            <a:off x="7281007" y="2899073"/>
+            <a:ext cx="2102083" cy="305790"/>
           </a:xfrm>
           <a:prstGeom prst="rect">
             <a:avLst/>
           </a:prstGeom>
+          <a:noFill/>
         </p:spPr>
         <p:style>
           <a:lnRef idx="2">
@@ -4046,144 +4164,13 @@
           <a:p>
             <a:pPr algn="ctr"/>
             <a:r>
-              <a:rPr lang="es-MX" sz="1199" dirty="0"/>
-              <a:t>Colaboradores externos</a:t>
-            </a:r>
-          </a:p>
-        </p:txBody>
-      </p:sp>
-      <p:sp>
-        <p:nvSpPr>
-          <p:cNvPr id="26" name="CuadroTexto 25">
-            <a:extLst>
-              <a:ext uri="{FF2B5EF4-FFF2-40B4-BE49-F238E27FC236}">
-                <a16:creationId xmlns:a16="http://schemas.microsoft.com/office/drawing/2014/main" id="{CBA1407C-D874-42CD-A98D-FD8FAD413834}"/>
-              </a:ext>
-            </a:extLst>
-          </p:cNvPr>
-          <p:cNvSpPr txBox="1"/>
-          <p:nvPr/>
-        </p:nvSpPr>
-        <p:spPr>
-          <a:xfrm>
-            <a:off x="6598614" y="2030412"/>
-            <a:ext cx="3456039" cy="305790"/>
-          </a:xfrm>
-          <a:prstGeom prst="rect">
-            <a:avLst/>
-          </a:prstGeom>
-          <a:noFill/>
-          <a:ln>
-            <a:solidFill>
-              <a:schemeClr val="tx1"/>
-            </a:solidFill>
-          </a:ln>
-        </p:spPr>
-        <p:txBody>
-          <a:bodyPr wrap="square" rtlCol="0">
-            <a:spAutoFit/>
-          </a:bodyPr>
-          <a:lstStyle/>
-          <a:p>
-            <a:pPr>
-              <a:lnSpc>
-                <a:spcPts val="1798"/>
-              </a:lnSpc>
-            </a:pPr>
-            <a:r>
-              <a:rPr lang="es-MX" sz="1199" dirty="0"/>
-              <a:t>Solicitud de información al responsable del proyecto</a:t>
-            </a:r>
-          </a:p>
-        </p:txBody>
-      </p:sp>
-      <p:cxnSp>
-        <p:nvCxnSpPr>
-          <p:cNvPr id="27" name="Conector recto de flecha 26">
-            <a:extLst>
-              <a:ext uri="{FF2B5EF4-FFF2-40B4-BE49-F238E27FC236}">
-                <a16:creationId xmlns:a16="http://schemas.microsoft.com/office/drawing/2014/main" id="{4BAC0E36-B02B-46CA-A0ED-D60E2FFB530B}"/>
-              </a:ext>
-            </a:extLst>
-          </p:cNvPr>
-          <p:cNvCxnSpPr>
-            <a:cxnSpLocks/>
-            <a:stCxn id="26" idx="2"/>
-            <a:endCxn id="35" idx="0"/>
-          </p:cNvCxnSpPr>
-          <p:nvPr/>
-        </p:nvCxnSpPr>
-        <p:spPr>
-          <a:xfrm>
-            <a:off x="8326634" y="2336202"/>
-            <a:ext cx="5415" cy="562871"/>
-          </a:xfrm>
-          <a:prstGeom prst="straightConnector1">
-            <a:avLst/>
-          </a:prstGeom>
-          <a:ln>
-            <a:tailEnd type="triangle"/>
-          </a:ln>
-        </p:spPr>
-        <p:style>
-          <a:lnRef idx="1">
-            <a:schemeClr val="accent1"/>
-          </a:lnRef>
-          <a:fillRef idx="0">
-            <a:schemeClr val="accent1"/>
-          </a:fillRef>
-          <a:effectRef idx="0">
-            <a:schemeClr val="accent1"/>
-          </a:effectRef>
-          <a:fontRef idx="minor">
-            <a:schemeClr val="tx1"/>
-          </a:fontRef>
-        </p:style>
-      </p:cxnSp>
-      <p:sp>
-        <p:nvSpPr>
-          <p:cNvPr id="35" name="Rectángulo 34">
-            <a:extLst>
-              <a:ext uri="{FF2B5EF4-FFF2-40B4-BE49-F238E27FC236}">
-                <a16:creationId xmlns:a16="http://schemas.microsoft.com/office/drawing/2014/main" id="{AE8E16AE-C1D3-445F-96E1-1489FAF1E70E}"/>
-              </a:ext>
-            </a:extLst>
-          </p:cNvPr>
-          <p:cNvSpPr/>
-          <p:nvPr/>
-        </p:nvSpPr>
-        <p:spPr>
-          <a:xfrm>
-            <a:off x="7281007" y="2899073"/>
-            <a:ext cx="2102083" cy="305790"/>
-          </a:xfrm>
-          <a:prstGeom prst="rect">
-            <a:avLst/>
-          </a:prstGeom>
-        </p:spPr>
-        <p:style>
-          <a:lnRef idx="2">
-            <a:schemeClr val="accent1">
-              <a:shade val="50000"/>
-            </a:schemeClr>
-          </a:lnRef>
-          <a:fillRef idx="1">
-            <a:schemeClr val="accent1"/>
-          </a:fillRef>
-          <a:effectRef idx="0">
-            <a:schemeClr val="accent1"/>
-          </a:effectRef>
-          <a:fontRef idx="minor">
-            <a:schemeClr val="lt1"/>
-          </a:fontRef>
-        </p:style>
-        <p:txBody>
-          <a:bodyPr rtlCol="0" anchor="ctr"/>
-          <a:lstStyle/>
-          <a:p>
-            <a:pPr algn="ctr"/>
-            <a:r>
-              <a:rPr lang="es-MX" sz="1199" dirty="0"/>
+              <a:rPr lang="es-MX" sz="1199" b="1" dirty="0">
+                <a:solidFill>
+                  <a:schemeClr val="accent5">
+                    <a:lumMod val="75000"/>
+                  </a:schemeClr>
+                </a:solidFill>
+              </a:rPr>
               <a:t>Responsable del proyecto</a:t>
             </a:r>
           </a:p>
@@ -4232,55 +4219,6 @@
           </a:fontRef>
         </p:style>
       </p:cxnSp>
-      <p:sp>
-        <p:nvSpPr>
-          <p:cNvPr id="64" name="Elipse 63">
-            <a:extLst>
-              <a:ext uri="{FF2B5EF4-FFF2-40B4-BE49-F238E27FC236}">
-                <a16:creationId xmlns:a16="http://schemas.microsoft.com/office/drawing/2014/main" id="{20DFEE43-DBAE-4DF0-B510-A834D119C83E}"/>
-              </a:ext>
-            </a:extLst>
-          </p:cNvPr>
-          <p:cNvSpPr/>
-          <p:nvPr/>
-        </p:nvSpPr>
-        <p:spPr>
-          <a:xfrm>
-            <a:off x="7522400" y="491518"/>
-            <a:ext cx="1608458" cy="828007"/>
-          </a:xfrm>
-          <a:prstGeom prst="ellipse">
-            <a:avLst/>
-          </a:prstGeom>
-        </p:spPr>
-        <p:style>
-          <a:lnRef idx="2">
-            <a:schemeClr val="accent1">
-              <a:shade val="50000"/>
-            </a:schemeClr>
-          </a:lnRef>
-          <a:fillRef idx="1">
-            <a:schemeClr val="accent1"/>
-          </a:fillRef>
-          <a:effectRef idx="0">
-            <a:schemeClr val="accent1"/>
-          </a:effectRef>
-          <a:fontRef idx="minor">
-            <a:schemeClr val="lt1"/>
-          </a:fontRef>
-        </p:style>
-        <p:txBody>
-          <a:bodyPr rtlCol="0" anchor="ctr"/>
-          <a:lstStyle/>
-          <a:p>
-            <a:pPr algn="ctr"/>
-            <a:r>
-              <a:rPr lang="es-MX" sz="1199" dirty="0"/>
-              <a:t>Solicitud de activos de información</a:t>
-            </a:r>
-          </a:p>
-        </p:txBody>
-      </p:sp>
       <p:cxnSp>
         <p:nvCxnSpPr>
           <p:cNvPr id="71" name="Conector: angular 70">
@@ -4335,7 +4273,6 @@
           </p:cNvPr>
           <p:cNvCxnSpPr>
             <a:cxnSpLocks/>
-            <a:stCxn id="64" idx="4"/>
             <a:endCxn id="25" idx="0"/>
           </p:cNvCxnSpPr>
           <p:nvPr/>
@@ -4378,7 +4315,6 @@
           </p:cNvPr>
           <p:cNvCxnSpPr>
             <a:cxnSpLocks/>
-            <a:stCxn id="22" idx="4"/>
             <a:endCxn id="18" idx="0"/>
           </p:cNvCxnSpPr>
           <p:nvPr/>
@@ -4410,6 +4346,78 @@
           </a:fontRef>
         </p:style>
       </p:cxnSp>
+      <p:sp>
+        <p:nvSpPr>
+          <p:cNvPr id="2" name="CuadroTexto 1">
+            <a:extLst>
+              <a:ext uri="{FF2B5EF4-FFF2-40B4-BE49-F238E27FC236}">
+                <a16:creationId xmlns:a16="http://schemas.microsoft.com/office/drawing/2014/main" id="{8373EE91-D6F8-488F-8F49-8F0CA4B3FF26}"/>
+              </a:ext>
+            </a:extLst>
+          </p:cNvPr>
+          <p:cNvSpPr txBox="1"/>
+          <p:nvPr/>
+        </p:nvSpPr>
+        <p:spPr>
+          <a:xfrm>
+            <a:off x="305770" y="674427"/>
+            <a:ext cx="2080727" cy="523220"/>
+          </a:xfrm>
+          <a:prstGeom prst="rect">
+            <a:avLst/>
+          </a:prstGeom>
+          <a:noFill/>
+        </p:spPr>
+        <p:txBody>
+          <a:bodyPr wrap="square" rtlCol="0">
+            <a:spAutoFit/>
+          </a:bodyPr>
+          <a:lstStyle/>
+          <a:p>
+            <a:pPr algn="ctr"/>
+            <a:r>
+              <a:rPr lang="es-MX" sz="1400" dirty="0"/>
+              <a:t>Entrega de activos de información</a:t>
+            </a:r>
+          </a:p>
+        </p:txBody>
+      </p:sp>
+      <p:sp>
+        <p:nvSpPr>
+          <p:cNvPr id="31" name="CuadroTexto 30">
+            <a:extLst>
+              <a:ext uri="{FF2B5EF4-FFF2-40B4-BE49-F238E27FC236}">
+                <a16:creationId xmlns:a16="http://schemas.microsoft.com/office/drawing/2014/main" id="{5B90F8DE-AA60-4321-82A0-31D44C3B3293}"/>
+              </a:ext>
+            </a:extLst>
+          </p:cNvPr>
+          <p:cNvSpPr txBox="1"/>
+          <p:nvPr/>
+        </p:nvSpPr>
+        <p:spPr>
+          <a:xfrm>
+            <a:off x="7281007" y="687838"/>
+            <a:ext cx="2080727" cy="523220"/>
+          </a:xfrm>
+          <a:prstGeom prst="rect">
+            <a:avLst/>
+          </a:prstGeom>
+          <a:noFill/>
+        </p:spPr>
+        <p:txBody>
+          <a:bodyPr wrap="square" rtlCol="0">
+            <a:spAutoFit/>
+          </a:bodyPr>
+          <a:lstStyle/>
+          <a:p>
+            <a:pPr algn="ctr"/>
+            <a:r>
+              <a:rPr lang="es-MX" sz="1400" dirty="0"/>
+              <a:t>Solicitud de activos de información</a:t>
+            </a:r>
+          </a:p>
+        </p:txBody>
+      </p:sp>
     </p:spTree>
     <p:extLst>
       <p:ext uri="{BB962C8B-B14F-4D97-AF65-F5344CB8AC3E}">
